--- a/SISO/PSISO.pptx
+++ b/SISO/PSISO.pptx
@@ -13,13 +13,14 @@
     <p:sldId id="260" r:id="rId7"/>
     <p:sldId id="261" r:id="rId8"/>
     <p:sldId id="262" r:id="rId9"/>
-    <p:sldId id="263" r:id="rId10"/>
-    <p:sldId id="264" r:id="rId11"/>
-    <p:sldId id="265" r:id="rId12"/>
-    <p:sldId id="266" r:id="rId13"/>
-    <p:sldId id="267" r:id="rId14"/>
-    <p:sldId id="268" r:id="rId15"/>
-    <p:sldId id="269" r:id="rId16"/>
+    <p:sldId id="271" r:id="rId10"/>
+    <p:sldId id="263" r:id="rId11"/>
+    <p:sldId id="264" r:id="rId12"/>
+    <p:sldId id="265" r:id="rId13"/>
+    <p:sldId id="266" r:id="rId14"/>
+    <p:sldId id="267" r:id="rId15"/>
+    <p:sldId id="268" r:id="rId16"/>
+    <p:sldId id="269" r:id="rId17"/>
   </p:sldIdLst>
   <p:sldSz cx="12192000" cy="6858000"/>
   <p:notesSz cx="6858000" cy="9144000"/>
@@ -118,7 +119,73 @@
       </a:defRPr>
     </a:lvl9pPr>
   </p:defaultTextStyle>
+  <p:extLst>
+    <p:ext uri="{EFAFB233-063F-42B5-8137-9DF3F51BA10A}">
+      <p15:sldGuideLst xmlns:p15="http://schemas.microsoft.com/office/powerpoint/2012/main"/>
+    </p:ext>
+  </p:extLst>
 </p:presentation>
+</file>
+
+<file path=ppt/changesInfos/changesInfo1.xml><?xml version="1.0" encoding="utf-8"?>
+<pc:chgInfo xmlns:a="http://schemas.openxmlformats.org/drawingml/2006/main" xmlns:r="http://schemas.openxmlformats.org/officeDocument/2006/relationships" xmlns:ac="http://schemas.microsoft.com/office/drawing/2013/main/command" xmlns:pc="http://schemas.microsoft.com/office/powerpoint/2013/main/command">
+  <pc:docChgLst>
+    <pc:chgData name="Samuel Gonzalez" userId="14b959e4d93e70df" providerId="LiveId" clId="{B409B952-DCAF-48E6-81B5-E1936C9EF29B}"/>
+    <pc:docChg chg="custSel addSld modSld sldOrd">
+      <pc:chgData name="Samuel Gonzalez" userId="14b959e4d93e70df" providerId="LiveId" clId="{B409B952-DCAF-48E6-81B5-E1936C9EF29B}" dt="2023-06-09T15:39:46.904" v="16" actId="26606"/>
+      <pc:docMkLst>
+        <pc:docMk/>
+      </pc:docMkLst>
+      <pc:sldChg chg="addSp delSp modSp new mod ord setBg">
+        <pc:chgData name="Samuel Gonzalez" userId="14b959e4d93e70df" providerId="LiveId" clId="{B409B952-DCAF-48E6-81B5-E1936C9EF29B}" dt="2023-06-09T15:39:46.904" v="16" actId="26606"/>
+        <pc:sldMkLst>
+          <pc:docMk/>
+          <pc:sldMk cId="595216587" sldId="271"/>
+        </pc:sldMkLst>
+        <pc:spChg chg="mod">
+          <ac:chgData name="Samuel Gonzalez" userId="14b959e4d93e70df" providerId="LiveId" clId="{B409B952-DCAF-48E6-81B5-E1936C9EF29B}" dt="2023-06-09T15:39:46.904" v="16" actId="26606"/>
+          <ac:spMkLst>
+            <pc:docMk/>
+            <pc:sldMk cId="595216587" sldId="271"/>
+            <ac:spMk id="2" creationId="{324C84D7-D7A7-E37E-E89A-8177003E37D1}"/>
+          </ac:spMkLst>
+        </pc:spChg>
+        <pc:spChg chg="del">
+          <ac:chgData name="Samuel Gonzalez" userId="14b959e4d93e70df" providerId="LiveId" clId="{B409B952-DCAF-48E6-81B5-E1936C9EF29B}" dt="2023-06-09T15:39:46.904" v="16" actId="26606"/>
+          <ac:spMkLst>
+            <pc:docMk/>
+            <pc:sldMk cId="595216587" sldId="271"/>
+            <ac:spMk id="3" creationId="{FD00AA0D-A913-E307-F663-467BDC97F193}"/>
+          </ac:spMkLst>
+        </pc:spChg>
+        <pc:spChg chg="add">
+          <ac:chgData name="Samuel Gonzalez" userId="14b959e4d93e70df" providerId="LiveId" clId="{B409B952-DCAF-48E6-81B5-E1936C9EF29B}" dt="2023-06-09T15:39:46.904" v="16" actId="26606"/>
+          <ac:spMkLst>
+            <pc:docMk/>
+            <pc:sldMk cId="595216587" sldId="271"/>
+            <ac:spMk id="9" creationId="{BD1CAB03-F6A4-4736-85F6-261056424D9D}"/>
+          </ac:spMkLst>
+        </pc:spChg>
+        <pc:spChg chg="add">
+          <ac:chgData name="Samuel Gonzalez" userId="14b959e4d93e70df" providerId="LiveId" clId="{B409B952-DCAF-48E6-81B5-E1936C9EF29B}" dt="2023-06-09T15:39:46.904" v="16" actId="26606"/>
+          <ac:spMkLst>
+            <pc:docMk/>
+            <pc:sldMk cId="595216587" sldId="271"/>
+            <ac:spMk id="11" creationId="{3E2321B3-5D47-422E-8DD6-192DA485FF63}"/>
+          </ac:spMkLst>
+        </pc:spChg>
+        <pc:picChg chg="add">
+          <ac:chgData name="Samuel Gonzalez" userId="14b959e4d93e70df" providerId="LiveId" clId="{B409B952-DCAF-48E6-81B5-E1936C9EF29B}" dt="2023-06-09T15:39:46.904" v="16" actId="26606"/>
+          <ac:picMkLst>
+            <pc:docMk/>
+            <pc:sldMk cId="595216587" sldId="271"/>
+            <ac:picMk id="5" creationId="{43A712A9-7F28-0138-05CB-2C50ACFA4A6B}"/>
+          </ac:picMkLst>
+        </pc:picChg>
+      </pc:sldChg>
+    </pc:docChg>
+  </pc:docChgLst>
+</pc:chgInfo>
 </file>
 
 <file path=ppt/slideLayouts/slideLayout1.xml><?xml version="1.0" encoding="utf-8"?>
@@ -6008,6 +6075,318 @@
   <p:cSld>
     <p:bg>
       <p:bgPr>
+        <a:solidFill>
+          <a:schemeClr val="bg1"/>
+        </a:solidFill>
+        <a:effectLst/>
+      </p:bgPr>
+    </p:bg>
+    <p:spTree>
+      <p:nvGrpSpPr>
+        <p:cNvPr id="1" name=""/>
+        <p:cNvGrpSpPr/>
+        <p:nvPr/>
+      </p:nvGrpSpPr>
+      <p:grpSpPr>
+        <a:xfrm>
+          <a:off x="0" y="0"/>
+          <a:ext cx="0" cy="0"/>
+          <a:chOff x="0" y="0"/>
+          <a:chExt cx="0" cy="0"/>
+        </a:xfrm>
+      </p:grpSpPr>
+      <p:sp>
+        <p:nvSpPr>
+          <p:cNvPr id="10" name="Rectangle 9">
+            <a:extLst>
+              <a:ext uri="{FF2B5EF4-FFF2-40B4-BE49-F238E27FC236}">
+                <a16:creationId xmlns:a16="http://schemas.microsoft.com/office/drawing/2014/main" id="{5C821777-3A3B-437E-B5C1-FBC7B0F48C56}"/>
+              </a:ext>
+              <a:ext uri="{C183D7F6-B498-43B3-948B-1728B52AA6E4}">
+                <adec:decorative xmlns:adec="http://schemas.microsoft.com/office/drawing/2017/decorative" val="1"/>
+              </a:ext>
+            </a:extLst>
+          </p:cNvPr>
+          <p:cNvSpPr>
+            <a:spLocks noGrp="1" noRot="1" noChangeAspect="1" noMove="1" noResize="1" noEditPoints="1" noAdjustHandles="1" noChangeArrowheads="1" noChangeShapeType="1" noTextEdit="1"/>
+          </p:cNvSpPr>
+          <p:nvPr>
+            <p:extLst>
+              <p:ext uri="{386F3935-93C4-4BCD-93E2-E3B085C9AB24}">
+                <p16:designElem xmlns:p16="http://schemas.microsoft.com/office/powerpoint/2015/main" val="1"/>
+              </p:ext>
+            </p:extLst>
+          </p:nvPr>
+        </p:nvSpPr>
+        <p:spPr>
+          <a:xfrm>
+            <a:off x="0" y="0"/>
+            <a:ext cx="12192000" cy="6858000"/>
+          </a:xfrm>
+          <a:prstGeom prst="rect">
+            <a:avLst/>
+          </a:prstGeom>
+          <a:ln>
+            <a:noFill/>
+          </a:ln>
+        </p:spPr>
+        <p:style>
+          <a:lnRef idx="2">
+            <a:schemeClr val="accent1">
+              <a:shade val="50000"/>
+            </a:schemeClr>
+          </a:lnRef>
+          <a:fillRef idx="1003">
+            <a:schemeClr val="dk2"/>
+          </a:fillRef>
+          <a:effectRef idx="0">
+            <a:schemeClr val="accent1"/>
+          </a:effectRef>
+          <a:fontRef idx="minor">
+            <a:schemeClr val="lt1"/>
+          </a:fontRef>
+        </p:style>
+        <p:txBody>
+          <a:bodyPr rtlCol="0" anchor="ctr"/>
+          <a:lstStyle/>
+          <a:p>
+            <a:pPr algn="ctr"/>
+            <a:endParaRPr lang="en-US"/>
+          </a:p>
+        </p:txBody>
+      </p:sp>
+      <p:sp>
+        <p:nvSpPr>
+          <p:cNvPr id="2" name="Título 1">
+            <a:extLst>
+              <a:ext uri="{FF2B5EF4-FFF2-40B4-BE49-F238E27FC236}">
+                <a16:creationId xmlns:a16="http://schemas.microsoft.com/office/drawing/2014/main" id="{63CB3448-751C-14FD-6E60-03FD8ED94210}"/>
+              </a:ext>
+            </a:extLst>
+          </p:cNvPr>
+          <p:cNvSpPr>
+            <a:spLocks noGrp="1"/>
+          </p:cNvSpPr>
+          <p:nvPr>
+            <p:ph type="title"/>
+          </p:nvPr>
+        </p:nvSpPr>
+        <p:spPr>
+          <a:xfrm>
+            <a:off x="7872575" y="628651"/>
+            <a:ext cx="3643150" cy="3495674"/>
+          </a:xfrm>
+        </p:spPr>
+        <p:txBody>
+          <a:bodyPr vert="horz" lIns="91440" tIns="45720" rIns="91440" bIns="45720" rtlCol="0" anchor="b">
+            <a:normAutofit/>
+          </a:bodyPr>
+          <a:lstStyle/>
+          <a:p>
+            <a:r>
+              <a:rPr lang="en-US" sz="3100">
+                <a:solidFill>
+                  <a:srgbClr val="FFFFFF"/>
+                </a:solidFill>
+              </a:rPr>
+              <a:t>Linealización</a:t>
+            </a:r>
+          </a:p>
+        </p:txBody>
+      </p:sp>
+      <p:sp>
+        <p:nvSpPr>
+          <p:cNvPr id="12" name="Rectangle 11">
+            <a:extLst>
+              <a:ext uri="{FF2B5EF4-FFF2-40B4-BE49-F238E27FC236}">
+                <a16:creationId xmlns:a16="http://schemas.microsoft.com/office/drawing/2014/main" id="{A31AD40C-CE73-4162-8681-421B8AF943A2}"/>
+              </a:ext>
+              <a:ext uri="{C183D7F6-B498-43B3-948B-1728B52AA6E4}">
+                <adec:decorative xmlns:adec="http://schemas.microsoft.com/office/drawing/2017/decorative" val="1"/>
+              </a:ext>
+            </a:extLst>
+          </p:cNvPr>
+          <p:cNvSpPr>
+            <a:spLocks noGrp="1" noRot="1" noChangeAspect="1" noMove="1" noResize="1" noEditPoints="1" noAdjustHandles="1" noChangeArrowheads="1" noChangeShapeType="1" noTextEdit="1"/>
+          </p:cNvSpPr>
+          <p:nvPr>
+            <p:extLst>
+              <p:ext uri="{386F3935-93C4-4BCD-93E2-E3B085C9AB24}">
+                <p16:designElem xmlns:p16="http://schemas.microsoft.com/office/powerpoint/2015/main" val="1"/>
+              </p:ext>
+            </p:extLst>
+          </p:nvPr>
+        </p:nvSpPr>
+        <p:spPr>
+          <a:xfrm>
+            <a:off x="752475" y="733425"/>
+            <a:ext cx="6696075" cy="5391150"/>
+          </a:xfrm>
+          <a:prstGeom prst="rect">
+            <a:avLst/>
+          </a:prstGeom>
+          <a:solidFill>
+            <a:schemeClr val="bg1"/>
+          </a:solidFill>
+          <a:ln w="190500" cap="sq">
+            <a:solidFill>
+              <a:schemeClr val="bg1"/>
+            </a:solidFill>
+            <a:miter lim="800000"/>
+          </a:ln>
+          <a:effectLst>
+            <a:outerShdw blurRad="54991" dist="17780" dir="5400000" algn="ctr" rotWithShape="0">
+              <a:schemeClr val="bg1">
+                <a:alpha val="40000"/>
+              </a:schemeClr>
+            </a:outerShdw>
+          </a:effectLst>
+          <a:scene3d>
+            <a:camera prst="orthographicFront"/>
+            <a:lightRig rig="twoPt" dir="t">
+              <a:rot lat="0" lon="0" rev="7200000"/>
+            </a:lightRig>
+          </a:scene3d>
+          <a:sp3d>
+            <a:bevelT w="25400" h="19050"/>
+          </a:sp3d>
+        </p:spPr>
+        <p:style>
+          <a:lnRef idx="2">
+            <a:schemeClr val="accent1">
+              <a:shade val="50000"/>
+            </a:schemeClr>
+          </a:lnRef>
+          <a:fillRef idx="1">
+            <a:schemeClr val="accent1"/>
+          </a:fillRef>
+          <a:effectRef idx="0">
+            <a:schemeClr val="accent1"/>
+          </a:effectRef>
+          <a:fontRef idx="minor">
+            <a:schemeClr val="lt1"/>
+          </a:fontRef>
+        </p:style>
+        <p:txBody>
+          <a:bodyPr rtlCol="0" anchor="ctr"/>
+          <a:lstStyle/>
+          <a:p>
+            <a:pPr algn="ctr"/>
+            <a:endParaRPr lang="en-US"/>
+          </a:p>
+        </p:txBody>
+      </p:sp>
+      <p:pic>
+        <p:nvPicPr>
+          <p:cNvPr id="5" name="Imagen 4">
+            <a:extLst>
+              <a:ext uri="{FF2B5EF4-FFF2-40B4-BE49-F238E27FC236}">
+                <a16:creationId xmlns:a16="http://schemas.microsoft.com/office/drawing/2014/main" id="{398974B4-A92D-157B-AF38-DF5392237971}"/>
+              </a:ext>
+            </a:extLst>
+          </p:cNvPr>
+          <p:cNvPicPr>
+            <a:picLocks noChangeAspect="1"/>
+          </p:cNvPicPr>
+          <p:nvPr/>
+        </p:nvPicPr>
+        <p:blipFill>
+          <a:blip r:embed="rId2"/>
+          <a:stretch>
+            <a:fillRect/>
+          </a:stretch>
+        </p:blipFill>
+        <p:spPr>
+          <a:xfrm>
+            <a:off x="1276694" y="974192"/>
+            <a:ext cx="5802375" cy="4961032"/>
+          </a:xfrm>
+          <a:prstGeom prst="rect">
+            <a:avLst/>
+          </a:prstGeom>
+        </p:spPr>
+      </p:pic>
+      <p:sp>
+        <p:nvSpPr>
+          <p:cNvPr id="14" name="Rectangle 13">
+            <a:extLst>
+              <a:ext uri="{FF2B5EF4-FFF2-40B4-BE49-F238E27FC236}">
+                <a16:creationId xmlns:a16="http://schemas.microsoft.com/office/drawing/2014/main" id="{707A3B9D-B1BA-4989-A535-1A6D8D402CC6}"/>
+              </a:ext>
+              <a:ext uri="{C183D7F6-B498-43B3-948B-1728B52AA6E4}">
+                <adec:decorative xmlns:adec="http://schemas.microsoft.com/office/drawing/2017/decorative" val="1"/>
+              </a:ext>
+            </a:extLst>
+          </p:cNvPr>
+          <p:cNvSpPr>
+            <a:spLocks noGrp="1" noRot="1" noChangeAspect="1" noMove="1" noResize="1" noEditPoints="1" noAdjustHandles="1" noChangeArrowheads="1" noChangeShapeType="1" noTextEdit="1"/>
+          </p:cNvSpPr>
+          <p:nvPr>
+            <p:extLst>
+              <p:ext uri="{386F3935-93C4-4BCD-93E2-E3B085C9AB24}">
+                <p16:designElem xmlns:p16="http://schemas.microsoft.com/office/powerpoint/2015/main" val="1"/>
+              </p:ext>
+            </p:extLst>
+          </p:nvPr>
+        </p:nvSpPr>
+        <p:spPr>
+          <a:xfrm>
+            <a:off x="817654" y="799817"/>
+            <a:ext cx="6565717" cy="5258367"/>
+          </a:xfrm>
+          <a:prstGeom prst="rect">
+            <a:avLst/>
+          </a:prstGeom>
+          <a:noFill/>
+          <a:ln w="12700">
+            <a:solidFill>
+              <a:srgbClr val="2A5B7F"/>
+            </a:solidFill>
+          </a:ln>
+        </p:spPr>
+        <p:style>
+          <a:lnRef idx="2">
+            <a:schemeClr val="accent1">
+              <a:shade val="50000"/>
+            </a:schemeClr>
+          </a:lnRef>
+          <a:fillRef idx="1">
+            <a:schemeClr val="accent1"/>
+          </a:fillRef>
+          <a:effectRef idx="0">
+            <a:schemeClr val="accent1"/>
+          </a:effectRef>
+          <a:fontRef idx="minor">
+            <a:schemeClr val="lt1"/>
+          </a:fontRef>
+        </p:style>
+        <p:txBody>
+          <a:bodyPr rtlCol="0" anchor="ctr"/>
+          <a:lstStyle/>
+          <a:p>
+            <a:pPr algn="ctr"/>
+            <a:endParaRPr lang="en-US"/>
+          </a:p>
+        </p:txBody>
+      </p:sp>
+    </p:spTree>
+    <p:extLst>
+      <p:ext uri="{BB962C8B-B14F-4D97-AF65-F5344CB8AC3E}">
+        <p14:creationId xmlns:p14="http://schemas.microsoft.com/office/powerpoint/2010/main" val="392920726"/>
+      </p:ext>
+    </p:extLst>
+  </p:cSld>
+  <p:clrMapOvr>
+    <a:overrideClrMapping bg1="lt1" tx1="dk1" bg2="lt2" tx2="dk2" accent1="accent1" accent2="accent2" accent3="accent3" accent4="accent4" accent5="accent5" accent6="accent6" hlink="hlink" folHlink="folHlink"/>
+  </p:clrMapOvr>
+</p:sld>
+</file>
+
+<file path=ppt/slides/slide11.xml><?xml version="1.0" encoding="utf-8"?>
+<p:sld xmlns:a="http://schemas.openxmlformats.org/drawingml/2006/main" xmlns:r="http://schemas.openxmlformats.org/officeDocument/2006/relationships" xmlns:p="http://schemas.openxmlformats.org/presentationml/2006/main">
+  <p:cSld>
+    <p:bg>
+      <p:bgPr>
         <a:blipFill rotWithShape="1">
           <a:blip r:embed="rId2">
             <a:duotone>
@@ -6308,7 +6687,7 @@
 </p:sld>
 </file>
 
-<file path=ppt/slides/slide11.xml><?xml version="1.0" encoding="utf-8"?>
+<file path=ppt/slides/slide12.xml><?xml version="1.0" encoding="utf-8"?>
 <p:sld xmlns:a="http://schemas.openxmlformats.org/drawingml/2006/main" xmlns:r="http://schemas.openxmlformats.org/officeDocument/2006/relationships" xmlns:p="http://schemas.openxmlformats.org/presentationml/2006/main">
   <p:cSld>
     <p:spTree>
@@ -6397,7 +6776,7 @@
 </p:sld>
 </file>
 
-<file path=ppt/slides/slide12.xml><?xml version="1.0" encoding="utf-8"?>
+<file path=ppt/slides/slide13.xml><?xml version="1.0" encoding="utf-8"?>
 <p:sld xmlns:a="http://schemas.openxmlformats.org/drawingml/2006/main" xmlns:r="http://schemas.openxmlformats.org/officeDocument/2006/relationships" xmlns:p="http://schemas.openxmlformats.org/presentationml/2006/main">
   <p:cSld>
     <p:bg>
@@ -6624,7 +7003,7 @@
 </p:sld>
 </file>
 
-<file path=ppt/slides/slide13.xml><?xml version="1.0" encoding="utf-8"?>
+<file path=ppt/slides/slide14.xml><?xml version="1.0" encoding="utf-8"?>
 <p:sld xmlns:a="http://schemas.openxmlformats.org/drawingml/2006/main" xmlns:r="http://schemas.openxmlformats.org/officeDocument/2006/relationships" xmlns:p="http://schemas.openxmlformats.org/presentationml/2006/main">
   <p:cSld>
     <p:spTree>
@@ -6713,7 +7092,7 @@
 </p:sld>
 </file>
 
-<file path=ppt/slides/slide14.xml><?xml version="1.0" encoding="utf-8"?>
+<file path=ppt/slides/slide15.xml><?xml version="1.0" encoding="utf-8"?>
 <p:sld xmlns:a="http://schemas.openxmlformats.org/drawingml/2006/main" xmlns:r="http://schemas.openxmlformats.org/officeDocument/2006/relationships" xmlns:p="http://schemas.openxmlformats.org/presentationml/2006/main">
   <p:cSld>
     <p:bg>
@@ -6940,7 +7319,7 @@
 </p:sld>
 </file>
 
-<file path=ppt/slides/slide15.xml><?xml version="1.0" encoding="utf-8"?>
+<file path=ppt/slides/slide16.xml><?xml version="1.0" encoding="utf-8"?>
 <p:sld xmlns:a="http://schemas.openxmlformats.org/drawingml/2006/main" xmlns:r="http://schemas.openxmlformats.org/officeDocument/2006/relationships" xmlns:p="http://schemas.openxmlformats.org/presentationml/2006/main">
   <p:cSld>
     <p:bg>
@@ -8539,9 +8918,23 @@
   <p:cSld>
     <p:bg>
       <p:bgPr>
-        <a:solidFill>
-          <a:schemeClr val="bg1"/>
-        </a:solidFill>
+        <a:blipFill rotWithShape="1">
+          <a:blip r:embed="rId2">
+            <a:duotone>
+              <a:schemeClr val="bg2">
+                <a:shade val="18000"/>
+                <a:satMod val="160000"/>
+                <a:lumMod val="28000"/>
+              </a:schemeClr>
+              <a:schemeClr val="bg2">
+                <a:tint val="95000"/>
+                <a:satMod val="160000"/>
+                <a:lumMod val="116000"/>
+              </a:schemeClr>
+            </a:duotone>
+          </a:blip>
+          <a:stretch/>
+        </a:blipFill>
         <a:effectLst/>
       </p:bgPr>
     </p:bg>
@@ -8559,12 +8952,41 @@
           <a:chExt cx="0" cy="0"/>
         </a:xfrm>
       </p:grpSpPr>
-      <p:sp>
-        <p:nvSpPr>
-          <p:cNvPr id="10" name="Rectangle 9">
+      <p:pic>
+        <p:nvPicPr>
+          <p:cNvPr id="5" name="Picture 4">
             <a:extLst>
               <a:ext uri="{FF2B5EF4-FFF2-40B4-BE49-F238E27FC236}">
-                <a16:creationId xmlns:a16="http://schemas.microsoft.com/office/drawing/2014/main" id="{5C821777-3A3B-437E-B5C1-FBC7B0F48C56}"/>
+                <a16:creationId xmlns:a16="http://schemas.microsoft.com/office/drawing/2014/main" id="{43A712A9-7F28-0138-05CB-2C50ACFA4A6B}"/>
+              </a:ext>
+            </a:extLst>
+          </p:cNvPr>
+          <p:cNvPicPr>
+            <a:picLocks noChangeAspect="1"/>
+          </p:cNvPicPr>
+          <p:nvPr/>
+        </p:nvPicPr>
+        <p:blipFill rotWithShape="1">
+          <a:blip r:embed="rId3"/>
+          <a:srcRect t="31631"/>
+          <a:stretch/>
+        </p:blipFill>
+        <p:spPr>
+          <a:xfrm>
+            <a:off x="20" y="2030"/>
+            <a:ext cx="12191980" cy="6855970"/>
+          </a:xfrm>
+          <a:prstGeom prst="rect">
+            <a:avLst/>
+          </a:prstGeom>
+        </p:spPr>
+      </p:pic>
+      <p:sp>
+        <p:nvSpPr>
+          <p:cNvPr id="9" name="Rectangle 8">
+            <a:extLst>
+              <a:ext uri="{FF2B5EF4-FFF2-40B4-BE49-F238E27FC236}">
+                <a16:creationId xmlns:a16="http://schemas.microsoft.com/office/drawing/2014/main" id="{BD1CAB03-F6A4-4736-85F6-261056424D9D}"/>
               </a:ext>
               <a:ext uri="{C183D7F6-B498-43B3-948B-1728B52AA6E4}">
                 <adec:decorative xmlns:adec="http://schemas.microsoft.com/office/drawing/2017/decorative" val="1"/>
@@ -8584,12 +9006,131 @@
         </p:nvSpPr>
         <p:spPr>
           <a:xfrm>
-            <a:off x="0" y="0"/>
+            <a:off x="0" y="2030"/>
             <a:ext cx="12192000" cy="6858000"/>
           </a:xfrm>
           <a:prstGeom prst="rect">
             <a:avLst/>
           </a:prstGeom>
+          <a:gradFill flip="none" rotWithShape="1">
+            <a:gsLst>
+              <a:gs pos="32000">
+                <a:schemeClr val="bg2">
+                  <a:lumMod val="75000"/>
+                  <a:alpha val="3000"/>
+                </a:schemeClr>
+              </a:gs>
+              <a:gs pos="100000">
+                <a:sysClr val="windowText" lastClr="000000">
+                  <a:alpha val="70000"/>
+                </a:sysClr>
+              </a:gs>
+            </a:gsLst>
+            <a:path path="circle">
+              <a:fillToRect l="50000" t="5000" r="50000" b="95000"/>
+            </a:path>
+            <a:tileRect/>
+          </a:gradFill>
+          <a:ln w="9525" cap="flat" cmpd="sng" algn="ctr">
+            <a:noFill/>
+            <a:prstDash val="solid"/>
+          </a:ln>
+          <a:effectLst/>
+        </p:spPr>
+        <p:txBody>
+          <a:bodyPr rtlCol="0" anchor="ctr"/>
+          <a:lstStyle/>
+          <a:p>
+            <a:pPr marL="0" marR="0" lvl="0" indent="0" algn="ctr" defTabSz="457200" eaLnBrk="1" fontAlgn="auto" latinLnBrk="0" hangingPunct="1">
+              <a:lnSpc>
+                <a:spcPct val="100000"/>
+              </a:lnSpc>
+              <a:spcBef>
+                <a:spcPts val="0"/>
+              </a:spcBef>
+              <a:spcAft>
+                <a:spcPts val="0"/>
+              </a:spcAft>
+              <a:buClrTx/>
+              <a:buSzTx/>
+              <a:buFontTx/>
+              <a:buNone/>
+              <a:tabLst/>
+              <a:defRPr/>
+            </a:pPr>
+            <a:endParaRPr kumimoji="0" lang="en-US" sz="1800" b="0" i="0" u="none" strike="noStrike" kern="0" cap="none" spc="0" normalizeH="0" baseline="0" noProof="0">
+              <a:ln>
+                <a:noFill/>
+              </a:ln>
+              <a:solidFill>
+                <a:prstClr val="white"/>
+              </a:solidFill>
+              <a:effectLst/>
+              <a:uLnTx/>
+              <a:uFillTx/>
+              <a:latin typeface="Calibri"/>
+              <a:ea typeface="+mn-ea"/>
+              <a:cs typeface="+mn-cs"/>
+            </a:endParaRPr>
+          </a:p>
+        </p:txBody>
+      </p:sp>
+      <p:sp>
+        <p:nvSpPr>
+          <p:cNvPr id="11" name="Rectangle 10">
+            <a:extLst>
+              <a:ext uri="{FF2B5EF4-FFF2-40B4-BE49-F238E27FC236}">
+                <a16:creationId xmlns:a16="http://schemas.microsoft.com/office/drawing/2014/main" id="{3E2321B3-5D47-422E-8DD6-192DA485FF63}"/>
+              </a:ext>
+              <a:ext uri="{C183D7F6-B498-43B3-948B-1728B52AA6E4}">
+                <adec:decorative xmlns:adec="http://schemas.microsoft.com/office/drawing/2017/decorative" val="1"/>
+              </a:ext>
+            </a:extLst>
+          </p:cNvPr>
+          <p:cNvSpPr>
+            <a:spLocks noGrp="1" noRot="1" noChangeAspect="1" noMove="1" noResize="1" noEditPoints="1" noAdjustHandles="1" noChangeArrowheads="1" noChangeShapeType="1" noTextEdit="1"/>
+          </p:cNvSpPr>
+          <p:nvPr>
+            <p:extLst>
+              <p:ext uri="{386F3935-93C4-4BCD-93E2-E3B085C9AB24}">
+                <p16:designElem xmlns:p16="http://schemas.microsoft.com/office/powerpoint/2015/main" val="1"/>
+              </p:ext>
+            </p:extLst>
+          </p:nvPr>
+        </p:nvSpPr>
+        <p:spPr>
+          <a:xfrm>
+            <a:off x="0" y="0"/>
+            <a:ext cx="12192000" cy="6858000"/>
+          </a:xfrm>
+          <a:prstGeom prst="rect">
+            <a:avLst/>
+          </a:prstGeom>
+          <a:blipFill dpi="0" rotWithShape="1">
+            <a:blip r:embed="rId2">
+              <a:alphaModFix amt="30000"/>
+              <a:duotone>
+                <a:prstClr val="black"/>
+                <a:schemeClr val="accent3">
+                  <a:tint val="45000"/>
+                  <a:satMod val="400000"/>
+                </a:schemeClr>
+              </a:duotone>
+              <a:extLst>
+                <a:ext uri="{BEBA8EAE-BF5A-486C-A8C5-ECC9F3942E4B}">
+                  <a14:imgProps xmlns:a14="http://schemas.microsoft.com/office/drawing/2010/main">
+                    <a14:imgLayer>
+                      <a14:imgEffect>
+                        <a14:sharpenSoften amount="35000"/>
+                      </a14:imgEffect>
+                    </a14:imgLayer>
+                  </a14:imgProps>
+                </a:ext>
+              </a:extLst>
+            </a:blip>
+            <a:srcRect/>
+            <a:tile tx="0" ty="0" sx="100000" sy="100000" flip="none" algn="ctr"/>
+          </a:blipFill>
           <a:ln>
             <a:noFill/>
           </a:ln>
@@ -8624,7 +9165,7 @@
           <p:cNvPr id="2" name="Título 1">
             <a:extLst>
               <a:ext uri="{FF2B5EF4-FFF2-40B4-BE49-F238E27FC236}">
-                <a16:creationId xmlns:a16="http://schemas.microsoft.com/office/drawing/2014/main" id="{63CB3448-751C-14FD-6E60-03FD8ED94210}"/>
+                <a16:creationId xmlns:a16="http://schemas.microsoft.com/office/drawing/2014/main" id="{324C84D7-D7A7-E37E-E89A-8177003E37D1}"/>
               </a:ext>
             </a:extLst>
           </p:cNvPr>
@@ -8637,8 +9178,8 @@
         </p:nvSpPr>
         <p:spPr>
           <a:xfrm>
-            <a:off x="7872575" y="628651"/>
-            <a:ext cx="3643150" cy="3495674"/>
+            <a:off x="1595269" y="1122363"/>
+            <a:ext cx="9001462" cy="2387600"/>
           </a:xfrm>
         </p:spPr>
         <p:txBody>
@@ -8648,200 +9189,21 @@
           <a:lstStyle/>
           <a:p>
             <a:r>
-              <a:rPr lang="en-US" sz="3100">
-                <a:solidFill>
-                  <a:srgbClr val="FFFFFF"/>
-                </a:solidFill>
-              </a:rPr>
-              <a:t>Linealización</a:t>
-            </a:r>
-          </a:p>
-        </p:txBody>
-      </p:sp>
-      <p:sp>
-        <p:nvSpPr>
-          <p:cNvPr id="12" name="Rectangle 11">
-            <a:extLst>
-              <a:ext uri="{FF2B5EF4-FFF2-40B4-BE49-F238E27FC236}">
-                <a16:creationId xmlns:a16="http://schemas.microsoft.com/office/drawing/2014/main" id="{A31AD40C-CE73-4162-8681-421B8AF943A2}"/>
-              </a:ext>
-              <a:ext uri="{C183D7F6-B498-43B3-948B-1728B52AA6E4}">
-                <adec:decorative xmlns:adec="http://schemas.microsoft.com/office/drawing/2017/decorative" val="1"/>
-              </a:ext>
-            </a:extLst>
-          </p:cNvPr>
-          <p:cNvSpPr>
-            <a:spLocks noGrp="1" noRot="1" noChangeAspect="1" noMove="1" noResize="1" noEditPoints="1" noAdjustHandles="1" noChangeArrowheads="1" noChangeShapeType="1" noTextEdit="1"/>
-          </p:cNvSpPr>
-          <p:nvPr>
-            <p:extLst>
-              <p:ext uri="{386F3935-93C4-4BCD-93E2-E3B085C9AB24}">
-                <p16:designElem xmlns:p16="http://schemas.microsoft.com/office/powerpoint/2015/main" val="1"/>
-              </p:ext>
-            </p:extLst>
-          </p:nvPr>
-        </p:nvSpPr>
-        <p:spPr>
-          <a:xfrm>
-            <a:off x="752475" y="733425"/>
-            <a:ext cx="6696075" cy="5391150"/>
-          </a:xfrm>
-          <a:prstGeom prst="rect">
-            <a:avLst/>
-          </a:prstGeom>
-          <a:solidFill>
-            <a:schemeClr val="bg1"/>
-          </a:solidFill>
-          <a:ln w="190500" cap="sq">
-            <a:solidFill>
-              <a:schemeClr val="bg1"/>
-            </a:solidFill>
-            <a:miter lim="800000"/>
-          </a:ln>
-          <a:effectLst>
-            <a:outerShdw blurRad="54991" dist="17780" dir="5400000" algn="ctr" rotWithShape="0">
-              <a:schemeClr val="bg1">
-                <a:alpha val="40000"/>
-              </a:schemeClr>
-            </a:outerShdw>
-          </a:effectLst>
-          <a:scene3d>
-            <a:camera prst="orthographicFront"/>
-            <a:lightRig rig="twoPt" dir="t">
-              <a:rot lat="0" lon="0" rev="7200000"/>
-            </a:lightRig>
-          </a:scene3d>
-          <a:sp3d>
-            <a:bevelT w="25400" h="19050"/>
-          </a:sp3d>
-        </p:spPr>
-        <p:style>
-          <a:lnRef idx="2">
-            <a:schemeClr val="accent1">
-              <a:shade val="50000"/>
-            </a:schemeClr>
-          </a:lnRef>
-          <a:fillRef idx="1">
-            <a:schemeClr val="accent1"/>
-          </a:fillRef>
-          <a:effectRef idx="0">
-            <a:schemeClr val="accent1"/>
-          </a:effectRef>
-          <a:fontRef idx="minor">
-            <a:schemeClr val="lt1"/>
-          </a:fontRef>
-        </p:style>
-        <p:txBody>
-          <a:bodyPr rtlCol="0" anchor="ctr"/>
-          <a:lstStyle/>
-          <a:p>
-            <a:pPr algn="ctr"/>
-            <a:endParaRPr lang="en-US"/>
-          </a:p>
-        </p:txBody>
-      </p:sp>
-      <p:pic>
-        <p:nvPicPr>
-          <p:cNvPr id="5" name="Imagen 4">
-            <a:extLst>
-              <a:ext uri="{FF2B5EF4-FFF2-40B4-BE49-F238E27FC236}">
-                <a16:creationId xmlns:a16="http://schemas.microsoft.com/office/drawing/2014/main" id="{398974B4-A92D-157B-AF38-DF5392237971}"/>
-              </a:ext>
-            </a:extLst>
-          </p:cNvPr>
-          <p:cNvPicPr>
-            <a:picLocks noChangeAspect="1"/>
-          </p:cNvPicPr>
-          <p:nvPr/>
-        </p:nvPicPr>
-        <p:blipFill>
-          <a:blip r:embed="rId2"/>
-          <a:stretch>
-            <a:fillRect/>
-          </a:stretch>
-        </p:blipFill>
-        <p:spPr>
-          <a:xfrm>
-            <a:off x="1276694" y="974192"/>
-            <a:ext cx="5802375" cy="4961032"/>
-          </a:xfrm>
-          <a:prstGeom prst="rect">
-            <a:avLst/>
-          </a:prstGeom>
-        </p:spPr>
-      </p:pic>
-      <p:sp>
-        <p:nvSpPr>
-          <p:cNvPr id="14" name="Rectangle 13">
-            <a:extLst>
-              <a:ext uri="{FF2B5EF4-FFF2-40B4-BE49-F238E27FC236}">
-                <a16:creationId xmlns:a16="http://schemas.microsoft.com/office/drawing/2014/main" id="{707A3B9D-B1BA-4989-A535-1A6D8D402CC6}"/>
-              </a:ext>
-              <a:ext uri="{C183D7F6-B498-43B3-948B-1728B52AA6E4}">
-                <adec:decorative xmlns:adec="http://schemas.microsoft.com/office/drawing/2017/decorative" val="1"/>
-              </a:ext>
-            </a:extLst>
-          </p:cNvPr>
-          <p:cNvSpPr>
-            <a:spLocks noGrp="1" noRot="1" noChangeAspect="1" noMove="1" noResize="1" noEditPoints="1" noAdjustHandles="1" noChangeArrowheads="1" noChangeShapeType="1" noTextEdit="1"/>
-          </p:cNvSpPr>
-          <p:nvPr>
-            <p:extLst>
-              <p:ext uri="{386F3935-93C4-4BCD-93E2-E3B085C9AB24}">
-                <p16:designElem xmlns:p16="http://schemas.microsoft.com/office/powerpoint/2015/main" val="1"/>
-              </p:ext>
-            </p:extLst>
-          </p:nvPr>
-        </p:nvSpPr>
-        <p:spPr>
-          <a:xfrm>
-            <a:off x="817654" y="799817"/>
-            <a:ext cx="6565717" cy="5258367"/>
-          </a:xfrm>
-          <a:prstGeom prst="rect">
-            <a:avLst/>
-          </a:prstGeom>
-          <a:noFill/>
-          <a:ln w="12700">
-            <a:solidFill>
-              <a:srgbClr val="2A5B7F"/>
-            </a:solidFill>
-          </a:ln>
-        </p:spPr>
-        <p:style>
-          <a:lnRef idx="2">
-            <a:schemeClr val="accent1">
-              <a:shade val="50000"/>
-            </a:schemeClr>
-          </a:lnRef>
-          <a:fillRef idx="1">
-            <a:schemeClr val="accent1"/>
-          </a:fillRef>
-          <a:effectRef idx="0">
-            <a:schemeClr val="accent1"/>
-          </a:effectRef>
-          <a:fontRef idx="minor">
-            <a:schemeClr val="lt1"/>
-          </a:fontRef>
-        </p:style>
-        <p:txBody>
-          <a:bodyPr rtlCol="0" anchor="ctr"/>
-          <a:lstStyle/>
-          <a:p>
-            <a:pPr algn="ctr"/>
-            <a:endParaRPr lang="en-US"/>
+              <a:rPr lang="en-US" sz="4800"/>
+              <a:t>Modelo Lineal</a:t>
+            </a:r>
           </a:p>
         </p:txBody>
       </p:sp>
     </p:spTree>
     <p:extLst>
       <p:ext uri="{BB962C8B-B14F-4D97-AF65-F5344CB8AC3E}">
-        <p14:creationId xmlns:p14="http://schemas.microsoft.com/office/powerpoint/2010/main" val="392920726"/>
+        <p14:creationId xmlns:p14="http://schemas.microsoft.com/office/powerpoint/2010/main" val="595216587"/>
       </p:ext>
     </p:extLst>
   </p:cSld>
   <p:clrMapOvr>
-    <a:overrideClrMapping bg1="lt1" tx1="dk1" bg2="lt2" tx2="dk2" accent1="accent1" accent2="accent2" accent3="accent3" accent4="accent4" accent5="accent5" accent6="accent6" hlink="hlink" folHlink="folHlink"/>
+    <a:masterClrMapping/>
   </p:clrMapOvr>
 </p:sld>
 </file>
